--- a/TeamR.pptx
+++ b/TeamR.pptx
@@ -113,6 +113,11 @@
       </a:defRPr>
     </a:lvl9pPr>
   </p:defaultTextStyle>
+  <p:extLst>
+    <p:ext uri="{EFAFB233-063F-42B5-8137-9DF3F51BA10A}">
+      <p15:sldGuideLst xmlns:p15="http://schemas.microsoft.com/office/powerpoint/2012/main"/>
+    </p:ext>
+  </p:extLst>
 </p:presentation>
 </file>
 
@@ -3030,7 +3035,7 @@
           <a:p>
             <a:fld id="{523D5950-9513-4231-85CC-FE795E13D4EF}" type="datetimeFigureOut">
               <a:rPr lang="en-US" smtClean="0"/>
-              <a:t>12/4/2019</a:t>
+              <a:t>12/7/2019</a:t>
             </a:fld>
             <a:endParaRPr lang="en-US"/>
           </a:p>
@@ -3970,7 +3975,7 @@
           <a:p>
             <a:fld id="{5DBA35EB-1257-415A-AC32-66263AF44600}" type="datetimeFigureOut">
               <a:rPr lang="en-US" smtClean="0"/>
-              <a:t>12/4/2019</a:t>
+              <a:t>12/7/2019</a:t>
             </a:fld>
             <a:endParaRPr lang="en-US"/>
           </a:p>
@@ -4237,7 +4242,7 @@
           <a:p>
             <a:fld id="{5DBA35EB-1257-415A-AC32-66263AF44600}" type="datetimeFigureOut">
               <a:rPr lang="en-US" smtClean="0"/>
-              <a:t>12/4/2019</a:t>
+              <a:t>12/7/2019</a:t>
             </a:fld>
             <a:endParaRPr lang="en-US"/>
           </a:p>
@@ -4468,7 +4473,7 @@
           <a:p>
             <a:fld id="{5DBA35EB-1257-415A-AC32-66263AF44600}" type="datetimeFigureOut">
               <a:rPr lang="en-US" smtClean="0"/>
-              <a:t>12/4/2019</a:t>
+              <a:t>12/7/2019</a:t>
             </a:fld>
             <a:endParaRPr lang="en-US"/>
           </a:p>
@@ -4778,7 +4783,7 @@
           <a:p>
             <a:fld id="{5DBA35EB-1257-415A-AC32-66263AF44600}" type="datetimeFigureOut">
               <a:rPr lang="en-US" smtClean="0"/>
-              <a:t>12/4/2019</a:t>
+              <a:t>12/7/2019</a:t>
             </a:fld>
             <a:endParaRPr lang="en-US"/>
           </a:p>
@@ -5251,7 +5256,7 @@
           <a:p>
             <a:fld id="{5DBA35EB-1257-415A-AC32-66263AF44600}" type="datetimeFigureOut">
               <a:rPr lang="en-US" smtClean="0"/>
-              <a:t>12/4/2019</a:t>
+              <a:t>12/7/2019</a:t>
             </a:fld>
             <a:endParaRPr lang="en-US"/>
           </a:p>
@@ -5798,7 +5803,7 @@
           <a:p>
             <a:fld id="{5DBA35EB-1257-415A-AC32-66263AF44600}" type="datetimeFigureOut">
               <a:rPr lang="en-US" smtClean="0"/>
-              <a:t>12/4/2019</a:t>
+              <a:t>12/7/2019</a:t>
             </a:fld>
             <a:endParaRPr lang="en-US"/>
           </a:p>
@@ -6572,7 +6577,7 @@
           <a:p>
             <a:fld id="{5DBA35EB-1257-415A-AC32-66263AF44600}" type="datetimeFigureOut">
               <a:rPr lang="en-US" smtClean="0"/>
-              <a:t>12/4/2019</a:t>
+              <a:t>12/7/2019</a:t>
             </a:fld>
             <a:endParaRPr lang="en-US"/>
           </a:p>
@@ -6747,7 +6752,7 @@
           <a:p>
             <a:fld id="{5DBA35EB-1257-415A-AC32-66263AF44600}" type="datetimeFigureOut">
               <a:rPr lang="en-US" smtClean="0"/>
-              <a:t>12/4/2019</a:t>
+              <a:t>12/7/2019</a:t>
             </a:fld>
             <a:endParaRPr lang="en-US"/>
           </a:p>
@@ -6970,7 +6975,7 @@
           <a:p>
             <a:fld id="{5DBA35EB-1257-415A-AC32-66263AF44600}" type="datetimeFigureOut">
               <a:rPr lang="en-US" smtClean="0"/>
-              <a:t>12/4/2019</a:t>
+              <a:t>12/7/2019</a:t>
             </a:fld>
             <a:endParaRPr lang="en-US"/>
           </a:p>
@@ -7150,7 +7155,7 @@
           <a:p>
             <a:fld id="{5DBA35EB-1257-415A-AC32-66263AF44600}" type="datetimeFigureOut">
               <a:rPr lang="en-US" smtClean="0"/>
-              <a:t>12/4/2019</a:t>
+              <a:t>12/7/2019</a:t>
             </a:fld>
             <a:endParaRPr lang="en-US"/>
           </a:p>
@@ -7439,7 +7444,7 @@
           <a:p>
             <a:fld id="{5DBA35EB-1257-415A-AC32-66263AF44600}" type="datetimeFigureOut">
               <a:rPr lang="en-US" smtClean="0"/>
-              <a:t>12/4/2019</a:t>
+              <a:t>12/7/2019</a:t>
             </a:fld>
             <a:endParaRPr lang="en-US"/>
           </a:p>
@@ -7681,7 +7686,7 @@
           <a:p>
             <a:fld id="{5DBA35EB-1257-415A-AC32-66263AF44600}" type="datetimeFigureOut">
               <a:rPr lang="en-US" smtClean="0"/>
-              <a:t>12/4/2019</a:t>
+              <a:t>12/7/2019</a:t>
             </a:fld>
             <a:endParaRPr lang="en-US"/>
           </a:p>
@@ -8060,7 +8065,7 @@
           <a:p>
             <a:fld id="{5DBA35EB-1257-415A-AC32-66263AF44600}" type="datetimeFigureOut">
               <a:rPr lang="en-US" smtClean="0"/>
-              <a:t>12/4/2019</a:t>
+              <a:t>12/7/2019</a:t>
             </a:fld>
             <a:endParaRPr lang="en-US"/>
           </a:p>
@@ -8178,7 +8183,7 @@
           <a:p>
             <a:fld id="{5DBA35EB-1257-415A-AC32-66263AF44600}" type="datetimeFigureOut">
               <a:rPr lang="en-US" smtClean="0"/>
-              <a:t>12/4/2019</a:t>
+              <a:t>12/7/2019</a:t>
             </a:fld>
             <a:endParaRPr lang="en-US"/>
           </a:p>
@@ -8273,7 +8278,7 @@
           <a:p>
             <a:fld id="{5DBA35EB-1257-415A-AC32-66263AF44600}" type="datetimeFigureOut">
               <a:rPr lang="en-US" smtClean="0"/>
-              <a:t>12/4/2019</a:t>
+              <a:t>12/7/2019</a:t>
             </a:fld>
             <a:endParaRPr lang="en-US"/>
           </a:p>
@@ -8522,7 +8527,7 @@
           <a:p>
             <a:fld id="{5DBA35EB-1257-415A-AC32-66263AF44600}" type="datetimeFigureOut">
               <a:rPr lang="en-US" smtClean="0"/>
-              <a:t>12/4/2019</a:t>
+              <a:t>12/7/2019</a:t>
             </a:fld>
             <a:endParaRPr lang="en-US"/>
           </a:p>
@@ -8779,7 +8784,7 @@
           <a:p>
             <a:fld id="{5DBA35EB-1257-415A-AC32-66263AF44600}" type="datetimeFigureOut">
               <a:rPr lang="en-US" smtClean="0"/>
-              <a:t>12/4/2019</a:t>
+              <a:t>12/7/2019</a:t>
             </a:fld>
             <a:endParaRPr lang="en-US"/>
           </a:p>
@@ -9022,7 +9027,7 @@
           <a:p>
             <a:fld id="{5DBA35EB-1257-415A-AC32-66263AF44600}" type="datetimeFigureOut">
               <a:rPr lang="en-US" smtClean="0"/>
-              <a:t>12/4/2019</a:t>
+              <a:t>12/7/2019</a:t>
             </a:fld>
             <a:endParaRPr lang="en-US"/>
           </a:p>
@@ -10283,7 +10288,18 @@
           <a:bodyPr/>
           <a:lstStyle/>
           <a:p>
-            <a:endParaRPr lang="en-US"/>
+            <a:r>
+              <a:rPr lang="en-US" dirty="0"/>
+              <a:t>Trying to merge the two CSV files was hard  because to had the same </a:t>
+            </a:r>
+            <a:r>
+              <a:rPr lang="en-US" dirty="0" err="1"/>
+              <a:t>lat</a:t>
+            </a:r>
+            <a:r>
+              <a:rPr lang="en-US" dirty="0"/>
+              <a:t> and long, but the formats were different</a:t>
+            </a:r>
           </a:p>
         </p:txBody>
       </p:sp>

--- a/TeamR.pptx
+++ b/TeamR.pptx
@@ -3035,7 +3035,7 @@
           <a:p>
             <a:fld id="{523D5950-9513-4231-85CC-FE795E13D4EF}" type="datetimeFigureOut">
               <a:rPr lang="en-US" smtClean="0"/>
-              <a:t>12/7/2019</a:t>
+              <a:t>12/11/2019</a:t>
             </a:fld>
             <a:endParaRPr lang="en-US"/>
           </a:p>
@@ -3975,7 +3975,7 @@
           <a:p>
             <a:fld id="{5DBA35EB-1257-415A-AC32-66263AF44600}" type="datetimeFigureOut">
               <a:rPr lang="en-US" smtClean="0"/>
-              <a:t>12/7/2019</a:t>
+              <a:t>12/11/2019</a:t>
             </a:fld>
             <a:endParaRPr lang="en-US"/>
           </a:p>
@@ -4242,7 +4242,7 @@
           <a:p>
             <a:fld id="{5DBA35EB-1257-415A-AC32-66263AF44600}" type="datetimeFigureOut">
               <a:rPr lang="en-US" smtClean="0"/>
-              <a:t>12/7/2019</a:t>
+              <a:t>12/11/2019</a:t>
             </a:fld>
             <a:endParaRPr lang="en-US"/>
           </a:p>
@@ -4473,7 +4473,7 @@
           <a:p>
             <a:fld id="{5DBA35EB-1257-415A-AC32-66263AF44600}" type="datetimeFigureOut">
               <a:rPr lang="en-US" smtClean="0"/>
-              <a:t>12/7/2019</a:t>
+              <a:t>12/11/2019</a:t>
             </a:fld>
             <a:endParaRPr lang="en-US"/>
           </a:p>
@@ -4783,7 +4783,7 @@
           <a:p>
             <a:fld id="{5DBA35EB-1257-415A-AC32-66263AF44600}" type="datetimeFigureOut">
               <a:rPr lang="en-US" smtClean="0"/>
-              <a:t>12/7/2019</a:t>
+              <a:t>12/11/2019</a:t>
             </a:fld>
             <a:endParaRPr lang="en-US"/>
           </a:p>
@@ -5256,7 +5256,7 @@
           <a:p>
             <a:fld id="{5DBA35EB-1257-415A-AC32-66263AF44600}" type="datetimeFigureOut">
               <a:rPr lang="en-US" smtClean="0"/>
-              <a:t>12/7/2019</a:t>
+              <a:t>12/11/2019</a:t>
             </a:fld>
             <a:endParaRPr lang="en-US"/>
           </a:p>
@@ -5803,7 +5803,7 @@
           <a:p>
             <a:fld id="{5DBA35EB-1257-415A-AC32-66263AF44600}" type="datetimeFigureOut">
               <a:rPr lang="en-US" smtClean="0"/>
-              <a:t>12/7/2019</a:t>
+              <a:t>12/11/2019</a:t>
             </a:fld>
             <a:endParaRPr lang="en-US"/>
           </a:p>
@@ -6577,7 +6577,7 @@
           <a:p>
             <a:fld id="{5DBA35EB-1257-415A-AC32-66263AF44600}" type="datetimeFigureOut">
               <a:rPr lang="en-US" smtClean="0"/>
-              <a:t>12/7/2019</a:t>
+              <a:t>12/11/2019</a:t>
             </a:fld>
             <a:endParaRPr lang="en-US"/>
           </a:p>
@@ -6752,7 +6752,7 @@
           <a:p>
             <a:fld id="{5DBA35EB-1257-415A-AC32-66263AF44600}" type="datetimeFigureOut">
               <a:rPr lang="en-US" smtClean="0"/>
-              <a:t>12/7/2019</a:t>
+              <a:t>12/11/2019</a:t>
             </a:fld>
             <a:endParaRPr lang="en-US"/>
           </a:p>
@@ -6975,7 +6975,7 @@
           <a:p>
             <a:fld id="{5DBA35EB-1257-415A-AC32-66263AF44600}" type="datetimeFigureOut">
               <a:rPr lang="en-US" smtClean="0"/>
-              <a:t>12/7/2019</a:t>
+              <a:t>12/11/2019</a:t>
             </a:fld>
             <a:endParaRPr lang="en-US"/>
           </a:p>
@@ -7155,7 +7155,7 @@
           <a:p>
             <a:fld id="{5DBA35EB-1257-415A-AC32-66263AF44600}" type="datetimeFigureOut">
               <a:rPr lang="en-US" smtClean="0"/>
-              <a:t>12/7/2019</a:t>
+              <a:t>12/11/2019</a:t>
             </a:fld>
             <a:endParaRPr lang="en-US"/>
           </a:p>
@@ -7444,7 +7444,7 @@
           <a:p>
             <a:fld id="{5DBA35EB-1257-415A-AC32-66263AF44600}" type="datetimeFigureOut">
               <a:rPr lang="en-US" smtClean="0"/>
-              <a:t>12/7/2019</a:t>
+              <a:t>12/11/2019</a:t>
             </a:fld>
             <a:endParaRPr lang="en-US"/>
           </a:p>
@@ -7686,7 +7686,7 @@
           <a:p>
             <a:fld id="{5DBA35EB-1257-415A-AC32-66263AF44600}" type="datetimeFigureOut">
               <a:rPr lang="en-US" smtClean="0"/>
-              <a:t>12/7/2019</a:t>
+              <a:t>12/11/2019</a:t>
             </a:fld>
             <a:endParaRPr lang="en-US"/>
           </a:p>
@@ -8065,7 +8065,7 @@
           <a:p>
             <a:fld id="{5DBA35EB-1257-415A-AC32-66263AF44600}" type="datetimeFigureOut">
               <a:rPr lang="en-US" smtClean="0"/>
-              <a:t>12/7/2019</a:t>
+              <a:t>12/11/2019</a:t>
             </a:fld>
             <a:endParaRPr lang="en-US"/>
           </a:p>
@@ -8183,7 +8183,7 @@
           <a:p>
             <a:fld id="{5DBA35EB-1257-415A-AC32-66263AF44600}" type="datetimeFigureOut">
               <a:rPr lang="en-US" smtClean="0"/>
-              <a:t>12/7/2019</a:t>
+              <a:t>12/11/2019</a:t>
             </a:fld>
             <a:endParaRPr lang="en-US"/>
           </a:p>
@@ -8278,7 +8278,7 @@
           <a:p>
             <a:fld id="{5DBA35EB-1257-415A-AC32-66263AF44600}" type="datetimeFigureOut">
               <a:rPr lang="en-US" smtClean="0"/>
-              <a:t>12/7/2019</a:t>
+              <a:t>12/11/2019</a:t>
             </a:fld>
             <a:endParaRPr lang="en-US"/>
           </a:p>
@@ -8527,7 +8527,7 @@
           <a:p>
             <a:fld id="{5DBA35EB-1257-415A-AC32-66263AF44600}" type="datetimeFigureOut">
               <a:rPr lang="en-US" smtClean="0"/>
-              <a:t>12/7/2019</a:t>
+              <a:t>12/11/2019</a:t>
             </a:fld>
             <a:endParaRPr lang="en-US"/>
           </a:p>
@@ -8784,7 +8784,7 @@
           <a:p>
             <a:fld id="{5DBA35EB-1257-415A-AC32-66263AF44600}" type="datetimeFigureOut">
               <a:rPr lang="en-US" smtClean="0"/>
-              <a:t>12/7/2019</a:t>
+              <a:t>12/11/2019</a:t>
             </a:fld>
             <a:endParaRPr lang="en-US"/>
           </a:p>
@@ -9027,7 +9027,7 @@
           <a:p>
             <a:fld id="{5DBA35EB-1257-415A-AC32-66263AF44600}" type="datetimeFigureOut">
               <a:rPr lang="en-US" smtClean="0"/>
-              <a:t>12/7/2019</a:t>
+              <a:t>12/11/2019</a:t>
             </a:fld>
             <a:endParaRPr lang="en-US"/>
           </a:p>
@@ -10131,84 +10131,114 @@
           <a:chExt cx="0" cy="0"/>
         </a:xfrm>
       </p:grpSpPr>
-      <p:sp>
-        <p:nvSpPr>
-          <p:cNvPr id="2" name="Title 1">
+      <p:pic>
+        <p:nvPicPr>
+          <p:cNvPr id="8" name="Picture 7" descr="A picture containing drawing&#10;&#10;Description automatically generated">
             <a:extLst>
               <a:ext uri="{FF2B5EF4-FFF2-40B4-BE49-F238E27FC236}">
-                <a16:creationId xmlns:a16="http://schemas.microsoft.com/office/drawing/2014/main" id="{E648362D-AC8E-40D4-88F8-527ED7ED4ABB}"/>
+                <a16:creationId xmlns:a16="http://schemas.microsoft.com/office/drawing/2014/main" id="{1E3003BC-46A1-4E4A-A099-94B68F034D9A}"/>
               </a:ext>
             </a:extLst>
           </p:cNvPr>
-          <p:cNvSpPr>
-            <a:spLocks noGrp="1"/>
-          </p:cNvSpPr>
-          <p:nvPr>
-            <p:ph type="title"/>
-          </p:nvPr>
-        </p:nvSpPr>
-        <p:spPr/>
-        <p:txBody>
-          <a:bodyPr/>
-          <a:lstStyle/>
-          <a:p>
-            <a:r>
-              <a:rPr lang="en-US" dirty="0"/>
-              <a:t>Look at our results!</a:t>
-            </a:r>
-          </a:p>
-        </p:txBody>
-      </p:sp>
-      <p:sp>
-        <p:nvSpPr>
-          <p:cNvPr id="3" name="Content Placeholder 2">
+          <p:cNvPicPr>
+            <a:picLocks noChangeAspect="1"/>
+          </p:cNvPicPr>
+          <p:nvPr/>
+        </p:nvPicPr>
+        <p:blipFill>
+          <a:blip r:embed="rId3">
+            <a:extLst>
+              <a:ext uri="{28A0092B-C50C-407E-A947-70E740481C1C}">
+                <a14:useLocalDpi xmlns:a14="http://schemas.microsoft.com/office/drawing/2010/main" val="0"/>
+              </a:ext>
+            </a:extLst>
+          </a:blip>
+          <a:stretch>
+            <a:fillRect/>
+          </a:stretch>
+        </p:blipFill>
+        <p:spPr>
+          <a:xfrm>
+            <a:off x="347589" y="449750"/>
+            <a:ext cx="4468875" cy="2979250"/>
+          </a:xfrm>
+          <a:prstGeom prst="rect">
+            <a:avLst/>
+          </a:prstGeom>
+        </p:spPr>
+      </p:pic>
+      <p:pic>
+        <p:nvPicPr>
+          <p:cNvPr id="10" name="Picture 9" descr="A screenshot of a cell phone&#10;&#10;Description automatically generated">
             <a:extLst>
               <a:ext uri="{FF2B5EF4-FFF2-40B4-BE49-F238E27FC236}">
-                <a16:creationId xmlns:a16="http://schemas.microsoft.com/office/drawing/2014/main" id="{02630FC8-BF07-4FE1-9B8C-5A725CDF9633}"/>
+                <a16:creationId xmlns:a16="http://schemas.microsoft.com/office/drawing/2014/main" id="{D00C60E5-6A2C-4756-A202-58622EAFD119}"/>
               </a:ext>
             </a:extLst>
           </p:cNvPr>
-          <p:cNvSpPr>
-            <a:spLocks noGrp="1"/>
-          </p:cNvSpPr>
-          <p:nvPr>
-            <p:ph sz="half" idx="1"/>
-          </p:nvPr>
-        </p:nvSpPr>
-        <p:spPr/>
-        <p:txBody>
-          <a:bodyPr/>
-          <a:lstStyle/>
-          <a:p>
-            <a:endParaRPr lang="en-US"/>
-          </a:p>
-        </p:txBody>
-      </p:sp>
-      <p:sp>
-        <p:nvSpPr>
-          <p:cNvPr id="4" name="Content Placeholder 3">
+          <p:cNvPicPr>
+            <a:picLocks noChangeAspect="1"/>
+          </p:cNvPicPr>
+          <p:nvPr/>
+        </p:nvPicPr>
+        <p:blipFill>
+          <a:blip r:embed="rId4">
+            <a:extLst>
+              <a:ext uri="{28A0092B-C50C-407E-A947-70E740481C1C}">
+                <a14:useLocalDpi xmlns:a14="http://schemas.microsoft.com/office/drawing/2010/main" val="0"/>
+              </a:ext>
+            </a:extLst>
+          </a:blip>
+          <a:stretch>
+            <a:fillRect/>
+          </a:stretch>
+        </p:blipFill>
+        <p:spPr>
+          <a:xfrm>
+            <a:off x="6897236" y="449748"/>
+            <a:ext cx="4468876" cy="2979251"/>
+          </a:xfrm>
+          <a:prstGeom prst="rect">
+            <a:avLst/>
+          </a:prstGeom>
+        </p:spPr>
+      </p:pic>
+      <p:pic>
+        <p:nvPicPr>
+          <p:cNvPr id="12" name="Picture 11" descr="A picture containing drawing&#10;&#10;Description automatically generated">
             <a:extLst>
               <a:ext uri="{FF2B5EF4-FFF2-40B4-BE49-F238E27FC236}">
-                <a16:creationId xmlns:a16="http://schemas.microsoft.com/office/drawing/2014/main" id="{0275FF89-5E37-42C1-8750-30B456BC888E}"/>
+                <a16:creationId xmlns:a16="http://schemas.microsoft.com/office/drawing/2014/main" id="{0DCB9D9A-4305-4D73-AE2B-E1EB12D6675B}"/>
               </a:ext>
             </a:extLst>
           </p:cNvPr>
-          <p:cNvSpPr>
-            <a:spLocks noGrp="1"/>
-          </p:cNvSpPr>
-          <p:nvPr>
-            <p:ph sz="half" idx="2"/>
-          </p:nvPr>
-        </p:nvSpPr>
-        <p:spPr/>
-        <p:txBody>
-          <a:bodyPr/>
-          <a:lstStyle/>
-          <a:p>
-            <a:endParaRPr lang="en-US"/>
-          </a:p>
-        </p:txBody>
-      </p:sp>
+          <p:cNvPicPr>
+            <a:picLocks noChangeAspect="1"/>
+          </p:cNvPicPr>
+          <p:nvPr/>
+        </p:nvPicPr>
+        <p:blipFill>
+          <a:blip r:embed="rId5">
+            <a:extLst>
+              <a:ext uri="{28A0092B-C50C-407E-A947-70E740481C1C}">
+                <a14:useLocalDpi xmlns:a14="http://schemas.microsoft.com/office/drawing/2010/main" val="0"/>
+              </a:ext>
+            </a:extLst>
+          </a:blip>
+          <a:stretch>
+            <a:fillRect/>
+          </a:stretch>
+        </p:blipFill>
+        <p:spPr>
+          <a:xfrm>
+            <a:off x="3746071" y="3573195"/>
+            <a:ext cx="4468876" cy="2979250"/>
+          </a:xfrm>
+          <a:prstGeom prst="rect">
+            <a:avLst/>
+          </a:prstGeom>
+        </p:spPr>
+      </p:pic>
     </p:spTree>
     <p:extLst>
       <p:ext uri="{BB962C8B-B14F-4D97-AF65-F5344CB8AC3E}">
@@ -10290,16 +10320,17 @@
           <a:p>
             <a:r>
               <a:rPr lang="en-US" dirty="0"/>
-              <a:t>Trying to merge the two CSV files was hard  because to had the same </a:t>
-            </a:r>
-            <a:r>
-              <a:rPr lang="en-US" dirty="0" err="1"/>
-              <a:t>lat</a:t>
-            </a:r>
-            <a:r>
-              <a:rPr lang="en-US" dirty="0"/>
-              <a:t> and long, but the formats were different</a:t>
-            </a:r>
+              <a:t>Merging issues</a:t>
+            </a:r>
+          </a:p>
+          <a:p>
+            <a:r>
+              <a:rPr lang="en-US"/>
+              <a:t>Bad formatting for CSV files</a:t>
+            </a:r>
+          </a:p>
+          <a:p>
+            <a:endParaRPr lang="en-US" dirty="0"/>
           </a:p>
         </p:txBody>
       </p:sp>
